--- a/documents/Презентация.pptx
+++ b/documents/Презентация.pptx
@@ -113,7 +113,7 @@
   </p:defaultTextStyle>
   <p:extLst>
     <p:ext uri="{EFAFB233-063F-42B5-8137-9DF3F51BA10A}">
-      <p15:sldGuideLst xmlns="" xmlns:p15="http://schemas.microsoft.com/office/powerpoint/2012/main"/>
+      <p15:sldGuideLst xmlns:p15="http://schemas.microsoft.com/office/powerpoint/2012/main" xmlns=""/>
     </p:ext>
   </p:extLst>
 </p:presentation>
@@ -309,7 +309,7 @@
     </p:spTree>
     <p:extLst>
       <p:ext uri="{BB962C8B-B14F-4D97-AF65-F5344CB8AC3E}">
-        <p14:creationId xmlns="" xmlns:p14="http://schemas.microsoft.com/office/powerpoint/2010/main" val="161079921"/>
+        <p14:creationId xmlns:p14="http://schemas.microsoft.com/office/powerpoint/2010/main" xmlns="" val="161079921"/>
       </p:ext>
     </p:extLst>
   </p:cSld>
@@ -479,7 +479,7 @@
     </p:spTree>
     <p:extLst>
       <p:ext uri="{BB962C8B-B14F-4D97-AF65-F5344CB8AC3E}">
-        <p14:creationId xmlns="" xmlns:p14="http://schemas.microsoft.com/office/powerpoint/2010/main" val="2065727480"/>
+        <p14:creationId xmlns:p14="http://schemas.microsoft.com/office/powerpoint/2010/main" xmlns="" val="2065727480"/>
       </p:ext>
     </p:extLst>
   </p:cSld>
@@ -659,7 +659,7 @@
     </p:spTree>
     <p:extLst>
       <p:ext uri="{BB962C8B-B14F-4D97-AF65-F5344CB8AC3E}">
-        <p14:creationId xmlns="" xmlns:p14="http://schemas.microsoft.com/office/powerpoint/2010/main" val="812261758"/>
+        <p14:creationId xmlns:p14="http://schemas.microsoft.com/office/powerpoint/2010/main" xmlns="" val="812261758"/>
       </p:ext>
     </p:extLst>
   </p:cSld>
@@ -829,7 +829,7 @@
     </p:spTree>
     <p:extLst>
       <p:ext uri="{BB962C8B-B14F-4D97-AF65-F5344CB8AC3E}">
-        <p14:creationId xmlns="" xmlns:p14="http://schemas.microsoft.com/office/powerpoint/2010/main" val="2703711724"/>
+        <p14:creationId xmlns:p14="http://schemas.microsoft.com/office/powerpoint/2010/main" xmlns="" val="2703711724"/>
       </p:ext>
     </p:extLst>
   </p:cSld>
@@ -1076,7 +1076,7 @@
     </p:spTree>
     <p:extLst>
       <p:ext uri="{BB962C8B-B14F-4D97-AF65-F5344CB8AC3E}">
-        <p14:creationId xmlns="" xmlns:p14="http://schemas.microsoft.com/office/powerpoint/2010/main" val="4076369896"/>
+        <p14:creationId xmlns:p14="http://schemas.microsoft.com/office/powerpoint/2010/main" xmlns="" val="4076369896"/>
       </p:ext>
     </p:extLst>
   </p:cSld>
@@ -1307,7 +1307,7 @@
     </p:spTree>
     <p:extLst>
       <p:ext uri="{BB962C8B-B14F-4D97-AF65-F5344CB8AC3E}">
-        <p14:creationId xmlns="" xmlns:p14="http://schemas.microsoft.com/office/powerpoint/2010/main" val="2625762208"/>
+        <p14:creationId xmlns:p14="http://schemas.microsoft.com/office/powerpoint/2010/main" xmlns="" val="2625762208"/>
       </p:ext>
     </p:extLst>
   </p:cSld>
@@ -1673,7 +1673,7 @@
     </p:spTree>
     <p:extLst>
       <p:ext uri="{BB962C8B-B14F-4D97-AF65-F5344CB8AC3E}">
-        <p14:creationId xmlns="" xmlns:p14="http://schemas.microsoft.com/office/powerpoint/2010/main" val="188002762"/>
+        <p14:creationId xmlns:p14="http://schemas.microsoft.com/office/powerpoint/2010/main" xmlns="" val="188002762"/>
       </p:ext>
     </p:extLst>
   </p:cSld>
@@ -1792,7 +1792,7 @@
     </p:spTree>
     <p:extLst>
       <p:ext uri="{BB962C8B-B14F-4D97-AF65-F5344CB8AC3E}">
-        <p14:creationId xmlns="" xmlns:p14="http://schemas.microsoft.com/office/powerpoint/2010/main" val="2295335545"/>
+        <p14:creationId xmlns:p14="http://schemas.microsoft.com/office/powerpoint/2010/main" xmlns="" val="2295335545"/>
       </p:ext>
     </p:extLst>
   </p:cSld>
@@ -1889,7 +1889,7 @@
     </p:spTree>
     <p:extLst>
       <p:ext uri="{BB962C8B-B14F-4D97-AF65-F5344CB8AC3E}">
-        <p14:creationId xmlns="" xmlns:p14="http://schemas.microsoft.com/office/powerpoint/2010/main" val="1988754143"/>
+        <p14:creationId xmlns:p14="http://schemas.microsoft.com/office/powerpoint/2010/main" xmlns="" val="1988754143"/>
       </p:ext>
     </p:extLst>
   </p:cSld>
@@ -2166,7 +2166,7 @@
     </p:spTree>
     <p:extLst>
       <p:ext uri="{BB962C8B-B14F-4D97-AF65-F5344CB8AC3E}">
-        <p14:creationId xmlns="" xmlns:p14="http://schemas.microsoft.com/office/powerpoint/2010/main" val="3665695281"/>
+        <p14:creationId xmlns:p14="http://schemas.microsoft.com/office/powerpoint/2010/main" xmlns="" val="3665695281"/>
       </p:ext>
     </p:extLst>
   </p:cSld>
@@ -2420,7 +2420,7 @@
     </p:spTree>
     <p:extLst>
       <p:ext uri="{BB962C8B-B14F-4D97-AF65-F5344CB8AC3E}">
-        <p14:creationId xmlns="" xmlns:p14="http://schemas.microsoft.com/office/powerpoint/2010/main" val="2134169247"/>
+        <p14:creationId xmlns:p14="http://schemas.microsoft.com/office/powerpoint/2010/main" xmlns="" val="2134169247"/>
       </p:ext>
     </p:extLst>
   </p:cSld>
@@ -2669,7 +2669,7 @@
     </p:spTree>
     <p:extLst>
       <p:ext uri="{BB962C8B-B14F-4D97-AF65-F5344CB8AC3E}">
-        <p14:creationId xmlns="" xmlns:p14="http://schemas.microsoft.com/office/powerpoint/2010/main" val="3154979492"/>
+        <p14:creationId xmlns:p14="http://schemas.microsoft.com/office/powerpoint/2010/main" xmlns="" val="3154979492"/>
       </p:ext>
     </p:extLst>
   </p:cSld>
@@ -3000,10 +3000,10 @@
           <p:cNvPr id="23" name="Rectangle 22">
             <a:extLst>
               <a:ext uri="{FF2B5EF4-FFF2-40B4-BE49-F238E27FC236}">
-                <a16:creationId xmlns="" xmlns:a16="http://schemas.microsoft.com/office/drawing/2014/main" id="{0E30439A-8A5B-46EC-8283-9B6B031D40D0}"/>
+                <a16:creationId xmlns:a16="http://schemas.microsoft.com/office/drawing/2014/main" xmlns="" id="{0E30439A-8A5B-46EC-8283-9B6B031D40D0}"/>
               </a:ext>
               <a:ext uri="{C183D7F6-B498-43B3-948B-1728B52AA6E4}">
-                <adec:decorative xmlns="" xmlns:adec="http://schemas.microsoft.com/office/drawing/2017/decorative" val="1"/>
+                <adec:decorative xmlns:adec="http://schemas.microsoft.com/office/drawing/2017/decorative" xmlns="" val="1"/>
               </a:ext>
             </a:extLst>
           </p:cNvPr>
@@ -3013,7 +3013,7 @@
           <p:nvPr>
             <p:extLst>
               <p:ext uri="{386F3935-93C4-4BCD-93E2-E3B085C9AB24}">
-                <p16:designElem xmlns="" xmlns:p16="http://schemas.microsoft.com/office/powerpoint/2015/main" val="1"/>
+                <p16:designElem xmlns:p16="http://schemas.microsoft.com/office/powerpoint/2015/main" xmlns="" val="1"/>
               </p:ext>
             </p:extLst>
           </p:nvPr>
@@ -3034,7 +3034,7 @@
           <a:effectLst/>
           <a:extLst>
             <a:ext uri="{91240B29-F687-4F45-9708-019B960494DF}">
-              <a14:hiddenLine xmlns="" xmlns:a14="http://schemas.microsoft.com/office/drawing/2010/main" w="12700" cap="flat" cmpd="sng" algn="ctr">
+              <a14:hiddenLine xmlns:a14="http://schemas.microsoft.com/office/drawing/2010/main" xmlns="" w="12700" cap="flat" cmpd="sng" algn="ctr">
                 <a:solidFill>
                   <a:schemeClr val="accent1">
                     <a:shade val="50000"/>
@@ -3076,10 +3076,10 @@
           <p:cNvPr id="25" name="Rectangle 24">
             <a:extLst>
               <a:ext uri="{FF2B5EF4-FFF2-40B4-BE49-F238E27FC236}">
-                <a16:creationId xmlns="" xmlns:a16="http://schemas.microsoft.com/office/drawing/2014/main" id="{5CEAD642-85CF-4750-8432-7C80C901F001}"/>
+                <a16:creationId xmlns:a16="http://schemas.microsoft.com/office/drawing/2014/main" xmlns="" id="{5CEAD642-85CF-4750-8432-7C80C901F001}"/>
               </a:ext>
               <a:ext uri="{C183D7F6-B498-43B3-948B-1728B52AA6E4}">
-                <adec:decorative xmlns="" xmlns:adec="http://schemas.microsoft.com/office/drawing/2017/decorative" val="1"/>
+                <adec:decorative xmlns:adec="http://schemas.microsoft.com/office/drawing/2017/decorative" xmlns="" val="1"/>
               </a:ext>
             </a:extLst>
           </p:cNvPr>
@@ -3089,7 +3089,7 @@
           <p:nvPr>
             <p:extLst>
               <p:ext uri="{386F3935-93C4-4BCD-93E2-E3B085C9AB24}">
-                <p16:designElem xmlns="" xmlns:p16="http://schemas.microsoft.com/office/powerpoint/2015/main" val="1"/>
+                <p16:designElem xmlns:p16="http://schemas.microsoft.com/office/powerpoint/2015/main" xmlns="" val="1"/>
               </p:ext>
             </p:extLst>
           </p:nvPr>
@@ -3149,10 +3149,10 @@
           <p:cNvPr id="27" name="Rectangle 26">
             <a:extLst>
               <a:ext uri="{FF2B5EF4-FFF2-40B4-BE49-F238E27FC236}">
-                <a16:creationId xmlns="" xmlns:a16="http://schemas.microsoft.com/office/drawing/2014/main" id="{FA33EEAE-15D5-4119-8C1E-89D943F911EF}"/>
+                <a16:creationId xmlns:a16="http://schemas.microsoft.com/office/drawing/2014/main" xmlns="" id="{FA33EEAE-15D5-4119-8C1E-89D943F911EF}"/>
               </a:ext>
               <a:ext uri="{C183D7F6-B498-43B3-948B-1728B52AA6E4}">
-                <adec:decorative xmlns="" xmlns:adec="http://schemas.microsoft.com/office/drawing/2017/decorative" val="1"/>
+                <adec:decorative xmlns:adec="http://schemas.microsoft.com/office/drawing/2017/decorative" xmlns="" val="1"/>
               </a:ext>
             </a:extLst>
           </p:cNvPr>
@@ -3162,7 +3162,7 @@
           <p:nvPr>
             <p:extLst>
               <p:ext uri="{386F3935-93C4-4BCD-93E2-E3B085C9AB24}">
-                <p16:designElem xmlns="" xmlns:p16="http://schemas.microsoft.com/office/powerpoint/2015/main" val="1"/>
+                <p16:designElem xmlns:p16="http://schemas.microsoft.com/office/powerpoint/2015/main" xmlns="" val="1"/>
               </p:ext>
             </p:extLst>
           </p:nvPr>
@@ -3225,10 +3225,10 @@
           <p:cNvPr id="29" name="Rectangle 28">
             <a:extLst>
               <a:ext uri="{FF2B5EF4-FFF2-40B4-BE49-F238E27FC236}">
-                <a16:creationId xmlns="" xmlns:a16="http://schemas.microsoft.com/office/drawing/2014/main" id="{730D8B3B-9B80-4025-B934-26DC7D7CD231}"/>
+                <a16:creationId xmlns:a16="http://schemas.microsoft.com/office/drawing/2014/main" xmlns="" id="{730D8B3B-9B80-4025-B934-26DC7D7CD231}"/>
               </a:ext>
               <a:ext uri="{C183D7F6-B498-43B3-948B-1728B52AA6E4}">
-                <adec:decorative xmlns="" xmlns:adec="http://schemas.microsoft.com/office/drawing/2017/decorative" val="1"/>
+                <adec:decorative xmlns:adec="http://schemas.microsoft.com/office/drawing/2017/decorative" xmlns="" val="1"/>
               </a:ext>
             </a:extLst>
           </p:cNvPr>
@@ -3238,7 +3238,7 @@
           <p:nvPr>
             <p:extLst>
               <p:ext uri="{386F3935-93C4-4BCD-93E2-E3B085C9AB24}">
-                <p16:designElem xmlns="" xmlns:p16="http://schemas.microsoft.com/office/powerpoint/2015/main" val="1"/>
+                <p16:designElem xmlns:p16="http://schemas.microsoft.com/office/powerpoint/2015/main" xmlns="" val="1"/>
               </p:ext>
             </p:extLst>
           </p:nvPr>
@@ -3301,10 +3301,10 @@
           <p:cNvPr id="31" name="Oval 30">
             <a:extLst>
               <a:ext uri="{FF2B5EF4-FFF2-40B4-BE49-F238E27FC236}">
-                <a16:creationId xmlns="" xmlns:a16="http://schemas.microsoft.com/office/drawing/2014/main" id="{B5A1B09C-1565-46F8-B70F-621C5EB48A09}"/>
+                <a16:creationId xmlns:a16="http://schemas.microsoft.com/office/drawing/2014/main" xmlns="" id="{B5A1B09C-1565-46F8-B70F-621C5EB48A09}"/>
               </a:ext>
               <a:ext uri="{C183D7F6-B498-43B3-948B-1728B52AA6E4}">
-                <adec:decorative xmlns="" xmlns:adec="http://schemas.microsoft.com/office/drawing/2017/decorative" val="1"/>
+                <adec:decorative xmlns:adec="http://schemas.microsoft.com/office/drawing/2017/decorative" xmlns="" val="1"/>
               </a:ext>
             </a:extLst>
           </p:cNvPr>
@@ -3314,7 +3314,7 @@
           <p:nvPr>
             <p:extLst>
               <p:ext uri="{386F3935-93C4-4BCD-93E2-E3B085C9AB24}">
-                <p16:designElem xmlns="" xmlns:p16="http://schemas.microsoft.com/office/powerpoint/2015/main" val="1"/>
+                <p16:designElem xmlns:p16="http://schemas.microsoft.com/office/powerpoint/2015/main" xmlns="" val="1"/>
               </p:ext>
             </p:extLst>
           </p:nvPr>
@@ -3418,10 +3418,10 @@
           <p:cNvPr id="33" name="Rectangle 32">
             <a:extLst>
               <a:ext uri="{FF2B5EF4-FFF2-40B4-BE49-F238E27FC236}">
-                <a16:creationId xmlns="" xmlns:a16="http://schemas.microsoft.com/office/drawing/2014/main" id="{8C516CC8-80AC-446C-A56E-9F54B7210402}"/>
+                <a16:creationId xmlns:a16="http://schemas.microsoft.com/office/drawing/2014/main" xmlns="" id="{8C516CC8-80AC-446C-A56E-9F54B7210402}"/>
               </a:ext>
               <a:ext uri="{C183D7F6-B498-43B3-948B-1728B52AA6E4}">
-                <adec:decorative xmlns="" xmlns:adec="http://schemas.microsoft.com/office/drawing/2017/decorative" val="1"/>
+                <adec:decorative xmlns:adec="http://schemas.microsoft.com/office/drawing/2017/decorative" xmlns="" val="1"/>
               </a:ext>
             </a:extLst>
           </p:cNvPr>
@@ -3431,7 +3431,7 @@
           <p:nvPr>
             <p:extLst>
               <p:ext uri="{386F3935-93C4-4BCD-93E2-E3B085C9AB24}">
-                <p16:designElem xmlns="" xmlns:p16="http://schemas.microsoft.com/office/powerpoint/2015/main" val="1"/>
+                <p16:designElem xmlns:p16="http://schemas.microsoft.com/office/powerpoint/2015/main" xmlns="" val="1"/>
               </p:ext>
             </p:extLst>
           </p:nvPr>
@@ -3544,10 +3544,10 @@
           <p:cNvPr id="35" name="Rectangle 34">
             <a:extLst>
               <a:ext uri="{FF2B5EF4-FFF2-40B4-BE49-F238E27FC236}">
-                <a16:creationId xmlns="" xmlns:a16="http://schemas.microsoft.com/office/drawing/2014/main" id="{53947E58-F088-49F1-A3D1-DEA690192E84}"/>
+                <a16:creationId xmlns:a16="http://schemas.microsoft.com/office/drawing/2014/main" xmlns="" id="{53947E58-F088-49F1-A3D1-DEA690192E84}"/>
               </a:ext>
               <a:ext uri="{C183D7F6-B498-43B3-948B-1728B52AA6E4}">
-                <adec:decorative xmlns="" xmlns:adec="http://schemas.microsoft.com/office/drawing/2017/decorative" val="1"/>
+                <adec:decorative xmlns:adec="http://schemas.microsoft.com/office/drawing/2017/decorative" xmlns="" val="1"/>
               </a:ext>
             </a:extLst>
           </p:cNvPr>
@@ -3557,7 +3557,7 @@
           <p:nvPr>
             <p:extLst>
               <p:ext uri="{386F3935-93C4-4BCD-93E2-E3B085C9AB24}">
-                <p16:designElem xmlns="" xmlns:p16="http://schemas.microsoft.com/office/powerpoint/2015/main" val="1"/>
+                <p16:designElem xmlns:p16="http://schemas.microsoft.com/office/powerpoint/2015/main" xmlns="" val="1"/>
               </p:ext>
             </p:extLst>
           </p:nvPr>
@@ -3618,7 +3618,7 @@
     </p:spTree>
     <p:extLst>
       <p:ext uri="{BB962C8B-B14F-4D97-AF65-F5344CB8AC3E}">
-        <p14:creationId xmlns="" xmlns:p14="http://schemas.microsoft.com/office/powerpoint/2010/main" val="1351651579"/>
+        <p14:creationId xmlns:p14="http://schemas.microsoft.com/office/powerpoint/2010/main" xmlns="" val="1351651579"/>
       </p:ext>
     </p:extLst>
   </p:cSld>
@@ -3658,10 +3658,10 @@
           <p:cNvPr id="8" name="Rectangle 7">
             <a:extLst>
               <a:ext uri="{FF2B5EF4-FFF2-40B4-BE49-F238E27FC236}">
-                <a16:creationId xmlns="" xmlns:a16="http://schemas.microsoft.com/office/drawing/2014/main" id="{1B15ED52-F352-441B-82BF-E0EA34836D08}"/>
+                <a16:creationId xmlns:a16="http://schemas.microsoft.com/office/drawing/2014/main" xmlns="" id="{1B15ED52-F352-441B-82BF-E0EA34836D08}"/>
               </a:ext>
               <a:ext uri="{C183D7F6-B498-43B3-948B-1728B52AA6E4}">
-                <adec:decorative xmlns="" xmlns:adec="http://schemas.microsoft.com/office/drawing/2017/decorative" val="1"/>
+                <adec:decorative xmlns:adec="http://schemas.microsoft.com/office/drawing/2017/decorative" xmlns="" val="1"/>
               </a:ext>
             </a:extLst>
           </p:cNvPr>
@@ -3671,7 +3671,7 @@
           <p:nvPr>
             <p:extLst>
               <p:ext uri="{386F3935-93C4-4BCD-93E2-E3B085C9AB24}">
-                <p16:designElem xmlns="" xmlns:p16="http://schemas.microsoft.com/office/powerpoint/2015/main" val="1"/>
+                <p16:designElem xmlns:p16="http://schemas.microsoft.com/office/powerpoint/2015/main" xmlns="" val="1"/>
               </p:ext>
             </p:extLst>
           </p:nvPr>
@@ -3692,7 +3692,7 @@
           <a:effectLst/>
           <a:extLst>
             <a:ext uri="{91240B29-F687-4F45-9708-019B960494DF}">
-              <a14:hiddenLine xmlns="" xmlns:a14="http://schemas.microsoft.com/office/drawing/2010/main" w="12700" cap="flat" cmpd="sng" algn="ctr">
+              <a14:hiddenLine xmlns:a14="http://schemas.microsoft.com/office/drawing/2010/main" xmlns="" w="12700" cap="flat" cmpd="sng" algn="ctr">
                 <a:solidFill>
                   <a:schemeClr val="accent1">
                     <a:shade val="50000"/>
@@ -3734,10 +3734,10 @@
           <p:cNvPr id="10" name="Rectangle 9">
             <a:extLst>
               <a:ext uri="{FF2B5EF4-FFF2-40B4-BE49-F238E27FC236}">
-                <a16:creationId xmlns="" xmlns:a16="http://schemas.microsoft.com/office/drawing/2014/main" id="{3B2E3793-BFE6-45A2-9B7B-E18844431C99}"/>
+                <a16:creationId xmlns:a16="http://schemas.microsoft.com/office/drawing/2014/main" xmlns="" id="{3B2E3793-BFE6-45A2-9B7B-E18844431C99}"/>
               </a:ext>
               <a:ext uri="{C183D7F6-B498-43B3-948B-1728B52AA6E4}">
-                <adec:decorative xmlns="" xmlns:adec="http://schemas.microsoft.com/office/drawing/2017/decorative" val="1"/>
+                <adec:decorative xmlns:adec="http://schemas.microsoft.com/office/drawing/2017/decorative" xmlns="" val="1"/>
               </a:ext>
             </a:extLst>
           </p:cNvPr>
@@ -3747,7 +3747,7 @@
           <p:nvPr>
             <p:extLst>
               <p:ext uri="{386F3935-93C4-4BCD-93E2-E3B085C9AB24}">
-                <p16:designElem xmlns="" xmlns:p16="http://schemas.microsoft.com/office/powerpoint/2015/main" val="1"/>
+                <p16:designElem xmlns:p16="http://schemas.microsoft.com/office/powerpoint/2015/main" xmlns="" val="1"/>
               </p:ext>
             </p:extLst>
           </p:nvPr>
@@ -3807,10 +3807,10 @@
           <p:cNvPr id="12" name="Rectangle 11">
             <a:extLst>
               <a:ext uri="{FF2B5EF4-FFF2-40B4-BE49-F238E27FC236}">
-                <a16:creationId xmlns="" xmlns:a16="http://schemas.microsoft.com/office/drawing/2014/main" id="{BC4C4868-CB8F-4AF9-9CDB-8108F2C19B67}"/>
+                <a16:creationId xmlns:a16="http://schemas.microsoft.com/office/drawing/2014/main" xmlns="" id="{BC4C4868-CB8F-4AF9-9CDB-8108F2C19B67}"/>
               </a:ext>
               <a:ext uri="{C183D7F6-B498-43B3-948B-1728B52AA6E4}">
-                <adec:decorative xmlns="" xmlns:adec="http://schemas.microsoft.com/office/drawing/2017/decorative" val="1"/>
+                <adec:decorative xmlns:adec="http://schemas.microsoft.com/office/drawing/2017/decorative" xmlns="" val="1"/>
               </a:ext>
             </a:extLst>
           </p:cNvPr>
@@ -3820,7 +3820,7 @@
           <p:nvPr>
             <p:extLst>
               <p:ext uri="{386F3935-93C4-4BCD-93E2-E3B085C9AB24}">
-                <p16:designElem xmlns="" xmlns:p16="http://schemas.microsoft.com/office/powerpoint/2015/main" val="1"/>
+                <p16:designElem xmlns:p16="http://schemas.microsoft.com/office/powerpoint/2015/main" xmlns="" val="1"/>
               </p:ext>
             </p:extLst>
           </p:nvPr>
@@ -3883,10 +3883,10 @@
           <p:cNvPr id="14" name="Rectangle 13">
             <a:extLst>
               <a:ext uri="{FF2B5EF4-FFF2-40B4-BE49-F238E27FC236}">
-                <a16:creationId xmlns="" xmlns:a16="http://schemas.microsoft.com/office/drawing/2014/main" id="{375E0459-6403-40CD-989D-56A4407CA12E}"/>
+                <a16:creationId xmlns:a16="http://schemas.microsoft.com/office/drawing/2014/main" xmlns="" id="{375E0459-6403-40CD-989D-56A4407CA12E}"/>
               </a:ext>
               <a:ext uri="{C183D7F6-B498-43B3-948B-1728B52AA6E4}">
-                <adec:decorative xmlns="" xmlns:adec="http://schemas.microsoft.com/office/drawing/2017/decorative" val="1"/>
+                <adec:decorative xmlns:adec="http://schemas.microsoft.com/office/drawing/2017/decorative" xmlns="" val="1"/>
               </a:ext>
             </a:extLst>
           </p:cNvPr>
@@ -3896,7 +3896,7 @@
           <p:nvPr>
             <p:extLst>
               <p:ext uri="{386F3935-93C4-4BCD-93E2-E3B085C9AB24}">
-                <p16:designElem xmlns="" xmlns:p16="http://schemas.microsoft.com/office/powerpoint/2015/main" val="1"/>
+                <p16:designElem xmlns:p16="http://schemas.microsoft.com/office/powerpoint/2015/main" xmlns="" val="1"/>
               </p:ext>
             </p:extLst>
           </p:nvPr>
@@ -3958,10 +3958,10 @@
           <p:cNvPr id="16" name="Rectangle 15">
             <a:extLst>
               <a:ext uri="{FF2B5EF4-FFF2-40B4-BE49-F238E27FC236}">
-                <a16:creationId xmlns="" xmlns:a16="http://schemas.microsoft.com/office/drawing/2014/main" id="{53E5B1A8-3AC9-4BD1-9BBC-78CA94F2D1BA}"/>
+                <a16:creationId xmlns:a16="http://schemas.microsoft.com/office/drawing/2014/main" xmlns="" id="{53E5B1A8-3AC9-4BD1-9BBC-78CA94F2D1BA}"/>
               </a:ext>
               <a:ext uri="{C183D7F6-B498-43B3-948B-1728B52AA6E4}">
-                <adec:decorative xmlns="" xmlns:adec="http://schemas.microsoft.com/office/drawing/2017/decorative" val="1"/>
+                <adec:decorative xmlns:adec="http://schemas.microsoft.com/office/drawing/2017/decorative" xmlns="" val="1"/>
               </a:ext>
             </a:extLst>
           </p:cNvPr>
@@ -3971,7 +3971,7 @@
           <p:nvPr>
             <p:extLst>
               <p:ext uri="{386F3935-93C4-4BCD-93E2-E3B085C9AB24}">
-                <p16:designElem xmlns="" xmlns:p16="http://schemas.microsoft.com/office/powerpoint/2015/main" val="1"/>
+                <p16:designElem xmlns:p16="http://schemas.microsoft.com/office/powerpoint/2015/main" xmlns="" val="1"/>
               </p:ext>
             </p:extLst>
           </p:nvPr>
@@ -4034,7 +4034,7 @@
           <p:cNvPr id="2" name="Заголовок 1">
             <a:extLst>
               <a:ext uri="{FF2B5EF4-FFF2-40B4-BE49-F238E27FC236}">
-                <a16:creationId xmlns="" xmlns:a16="http://schemas.microsoft.com/office/drawing/2014/main" id="{851660C7-B628-3629-CF69-05AEAAFBFCD4}"/>
+                <a16:creationId xmlns:a16="http://schemas.microsoft.com/office/drawing/2014/main" xmlns="" id="{851660C7-B628-3629-CF69-05AEAAFBFCD4}"/>
               </a:ext>
             </a:extLst>
           </p:cNvPr>
@@ -4080,7 +4080,7 @@
           <p:cNvPr id="3" name="Объект 2">
             <a:extLst>
               <a:ext uri="{FF2B5EF4-FFF2-40B4-BE49-F238E27FC236}">
-                <a16:creationId xmlns="" xmlns:a16="http://schemas.microsoft.com/office/drawing/2014/main" id="{CD6EC05C-798A-299A-C26E-AE30DDF61738}"/>
+                <a16:creationId xmlns:a16="http://schemas.microsoft.com/office/drawing/2014/main" xmlns="" id="{CD6EC05C-798A-299A-C26E-AE30DDF61738}"/>
               </a:ext>
             </a:extLst>
           </p:cNvPr>
@@ -4171,28 +4171,21 @@
                 <a:ea typeface="+mn-lt"/>
                 <a:cs typeface="+mn-lt"/>
               </a:rPr>
-              <a:t>и</a:t>
-            </a:r>
-            <a:r>
-              <a:rPr lang="ru-RU" sz="2400" dirty="0" smtClean="0">
-                <a:ea typeface="+mn-lt"/>
-                <a:cs typeface="+mn-lt"/>
-              </a:rPr>
-              <a:t>грой </a:t>
-            </a:r>
-            <a:r>
-              <a:rPr lang="en-US" sz="2400" dirty="0" err="1" smtClean="0">
-                <a:ea typeface="+mn-lt"/>
-                <a:cs typeface="+mn-lt"/>
-              </a:rPr>
-              <a:t>Pokemon</a:t>
+              <a:t>игрой </a:t>
             </a:r>
             <a:r>
               <a:rPr lang="en-US" sz="2400" dirty="0" smtClean="0">
                 <a:ea typeface="+mn-lt"/>
                 <a:cs typeface="+mn-lt"/>
               </a:rPr>
-              <a:t> Emerald</a:t>
+              <a:t>Pokémon </a:t>
+            </a:r>
+            <a:r>
+              <a:rPr lang="en-US" sz="2400" dirty="0" smtClean="0">
+                <a:ea typeface="+mn-lt"/>
+                <a:cs typeface="+mn-lt"/>
+              </a:rPr>
+              <a:t>Emerald</a:t>
             </a:r>
             <a:r>
               <a:rPr lang="ru-RU" sz="2400" dirty="0" smtClean="0">
@@ -4244,7 +4237,7 @@
     </p:spTree>
     <p:extLst>
       <p:ext uri="{BB962C8B-B14F-4D97-AF65-F5344CB8AC3E}">
-        <p14:creationId xmlns="" xmlns:p14="http://schemas.microsoft.com/office/powerpoint/2010/main" val="4255920838"/>
+        <p14:creationId xmlns:p14="http://schemas.microsoft.com/office/powerpoint/2010/main" xmlns="" val="4255920838"/>
       </p:ext>
     </p:extLst>
   </p:cSld>
@@ -4284,10 +4277,10 @@
           <p:cNvPr id="11" name="Rectangle 10">
             <a:extLst>
               <a:ext uri="{FF2B5EF4-FFF2-40B4-BE49-F238E27FC236}">
-                <a16:creationId xmlns="" xmlns:a16="http://schemas.microsoft.com/office/drawing/2014/main" id="{1B15ED52-F352-441B-82BF-E0EA34836D08}"/>
+                <a16:creationId xmlns:a16="http://schemas.microsoft.com/office/drawing/2014/main" xmlns="" id="{1B15ED52-F352-441B-82BF-E0EA34836D08}"/>
               </a:ext>
               <a:ext uri="{C183D7F6-B498-43B3-948B-1728B52AA6E4}">
-                <adec:decorative xmlns="" xmlns:adec="http://schemas.microsoft.com/office/drawing/2017/decorative" val="1"/>
+                <adec:decorative xmlns:adec="http://schemas.microsoft.com/office/drawing/2017/decorative" xmlns="" val="1"/>
               </a:ext>
             </a:extLst>
           </p:cNvPr>
@@ -4297,7 +4290,7 @@
           <p:nvPr>
             <p:extLst>
               <p:ext uri="{386F3935-93C4-4BCD-93E2-E3B085C9AB24}">
-                <p16:designElem xmlns="" xmlns:p16="http://schemas.microsoft.com/office/powerpoint/2015/main" val="1"/>
+                <p16:designElem xmlns:p16="http://schemas.microsoft.com/office/powerpoint/2015/main" xmlns="" val="1"/>
               </p:ext>
             </p:extLst>
           </p:nvPr>
@@ -4318,7 +4311,7 @@
           <a:effectLst/>
           <a:extLst>
             <a:ext uri="{91240B29-F687-4F45-9708-019B960494DF}">
-              <a14:hiddenLine xmlns="" xmlns:a14="http://schemas.microsoft.com/office/drawing/2010/main" w="12700" cap="flat" cmpd="sng" algn="ctr">
+              <a14:hiddenLine xmlns:a14="http://schemas.microsoft.com/office/drawing/2010/main" xmlns="" w="12700" cap="flat" cmpd="sng" algn="ctr">
                 <a:solidFill>
                   <a:schemeClr val="accent1">
                     <a:shade val="50000"/>
@@ -4360,7 +4353,7 @@
           <p:cNvPr id="4" name="Объект 3" descr="Изображение выглядит как текст, диаграмма, снимок экрана, План&#10;&#10;Автоматически созданное описание">
             <a:extLst>
               <a:ext uri="{FF2B5EF4-FFF2-40B4-BE49-F238E27FC236}">
-                <a16:creationId xmlns="" xmlns:a16="http://schemas.microsoft.com/office/drawing/2014/main" id="{611F109D-B939-E04E-43A3-F24C4B661AD6}"/>
+                <a16:creationId xmlns:a16="http://schemas.microsoft.com/office/drawing/2014/main" xmlns="" id="{611F109D-B939-E04E-43A3-F24C4B661AD6}"/>
               </a:ext>
             </a:extLst>
           </p:cNvPr>
@@ -4390,10 +4383,10 @@
           <p:cNvPr id="13" name="Rectangle 12">
             <a:extLst>
               <a:ext uri="{FF2B5EF4-FFF2-40B4-BE49-F238E27FC236}">
-                <a16:creationId xmlns="" xmlns:a16="http://schemas.microsoft.com/office/drawing/2014/main" id="{61707E60-CEC9-4661-AA82-69242EB4BDC3}"/>
+                <a16:creationId xmlns:a16="http://schemas.microsoft.com/office/drawing/2014/main" xmlns="" id="{61707E60-CEC9-4661-AA82-69242EB4BDC3}"/>
               </a:ext>
               <a:ext uri="{C183D7F6-B498-43B3-948B-1728B52AA6E4}">
-                <adec:decorative xmlns="" xmlns:adec="http://schemas.microsoft.com/office/drawing/2017/decorative" val="1"/>
+                <adec:decorative xmlns:adec="http://schemas.microsoft.com/office/drawing/2017/decorative" xmlns="" val="1"/>
               </a:ext>
             </a:extLst>
           </p:cNvPr>
@@ -4403,7 +4396,7 @@
           <p:nvPr>
             <p:extLst>
               <p:ext uri="{386F3935-93C4-4BCD-93E2-E3B085C9AB24}">
-                <p16:designElem xmlns="" xmlns:p16="http://schemas.microsoft.com/office/powerpoint/2015/main" val="1"/>
+                <p16:designElem xmlns:p16="http://schemas.microsoft.com/office/powerpoint/2015/main" xmlns="" val="1"/>
               </p:ext>
             </p:extLst>
           </p:nvPr>
@@ -4463,10 +4456,10 @@
           <p:cNvPr id="15" name="Rectangle 14">
             <a:extLst>
               <a:ext uri="{FF2B5EF4-FFF2-40B4-BE49-F238E27FC236}">
-                <a16:creationId xmlns="" xmlns:a16="http://schemas.microsoft.com/office/drawing/2014/main" id="{8F035CD8-AE30-4146-96F2-036B0CE5E4F3}"/>
+                <a16:creationId xmlns:a16="http://schemas.microsoft.com/office/drawing/2014/main" xmlns="" id="{8F035CD8-AE30-4146-96F2-036B0CE5E4F3}"/>
               </a:ext>
               <a:ext uri="{C183D7F6-B498-43B3-948B-1728B52AA6E4}">
-                <adec:decorative xmlns="" xmlns:adec="http://schemas.microsoft.com/office/drawing/2017/decorative" val="1"/>
+                <adec:decorative xmlns:adec="http://schemas.microsoft.com/office/drawing/2017/decorative" xmlns="" val="1"/>
               </a:ext>
             </a:extLst>
           </p:cNvPr>
@@ -4476,7 +4469,7 @@
           <p:nvPr>
             <p:extLst>
               <p:ext uri="{386F3935-93C4-4BCD-93E2-E3B085C9AB24}">
-                <p16:designElem xmlns="" xmlns:p16="http://schemas.microsoft.com/office/powerpoint/2015/main" val="1"/>
+                <p16:designElem xmlns:p16="http://schemas.microsoft.com/office/powerpoint/2015/main" xmlns="" val="1"/>
               </p:ext>
             </p:extLst>
           </p:nvPr>
@@ -4534,7 +4527,7 @@
     </p:spTree>
     <p:extLst>
       <p:ext uri="{BB962C8B-B14F-4D97-AF65-F5344CB8AC3E}">
-        <p14:creationId xmlns="" xmlns:p14="http://schemas.microsoft.com/office/powerpoint/2010/main" val="3148218983"/>
+        <p14:creationId xmlns:p14="http://schemas.microsoft.com/office/powerpoint/2010/main" xmlns="" val="3148218983"/>
       </p:ext>
     </p:extLst>
   </p:cSld>
@@ -4574,10 +4567,10 @@
           <p:cNvPr id="10" name="Rectangle 9">
             <a:extLst>
               <a:ext uri="{FF2B5EF4-FFF2-40B4-BE49-F238E27FC236}">
-                <a16:creationId xmlns="" xmlns:a16="http://schemas.microsoft.com/office/drawing/2014/main" id="{873DDF9D-E27C-4E23-A1E8-CA352535F7C9}"/>
+                <a16:creationId xmlns:a16="http://schemas.microsoft.com/office/drawing/2014/main" xmlns="" id="{873DDF9D-E27C-4E23-A1E8-CA352535F7C9}"/>
               </a:ext>
               <a:ext uri="{C183D7F6-B498-43B3-948B-1728B52AA6E4}">
-                <adec:decorative xmlns="" xmlns:adec="http://schemas.microsoft.com/office/drawing/2017/decorative" val="1"/>
+                <adec:decorative xmlns:adec="http://schemas.microsoft.com/office/drawing/2017/decorative" xmlns="" val="1"/>
               </a:ext>
             </a:extLst>
           </p:cNvPr>
@@ -4587,7 +4580,7 @@
           <p:nvPr>
             <p:extLst>
               <p:ext uri="{386F3935-93C4-4BCD-93E2-E3B085C9AB24}">
-                <p16:designElem xmlns="" xmlns:p16="http://schemas.microsoft.com/office/powerpoint/2015/main" val="1"/>
+                <p16:designElem xmlns:p16="http://schemas.microsoft.com/office/powerpoint/2015/main" xmlns="" val="1"/>
               </p:ext>
             </p:extLst>
           </p:nvPr>
@@ -4634,10 +4627,10 @@
           <p:cNvPr id="12" name="Rectangle 11">
             <a:extLst>
               <a:ext uri="{FF2B5EF4-FFF2-40B4-BE49-F238E27FC236}">
-                <a16:creationId xmlns="" xmlns:a16="http://schemas.microsoft.com/office/drawing/2014/main" id="{4C6B5652-C661-4C58-B937-F0F490F7FCB2}"/>
+                <a16:creationId xmlns:a16="http://schemas.microsoft.com/office/drawing/2014/main" xmlns="" id="{4C6B5652-C661-4C58-B937-F0F490F7FCB2}"/>
               </a:ext>
               <a:ext uri="{C183D7F6-B498-43B3-948B-1728B52AA6E4}">
-                <adec:decorative xmlns="" xmlns:adec="http://schemas.microsoft.com/office/drawing/2017/decorative" val="1"/>
+                <adec:decorative xmlns:adec="http://schemas.microsoft.com/office/drawing/2017/decorative" xmlns="" val="1"/>
               </a:ext>
             </a:extLst>
           </p:cNvPr>
@@ -4647,7 +4640,7 @@
           <p:nvPr>
             <p:extLst>
               <p:ext uri="{386F3935-93C4-4BCD-93E2-E3B085C9AB24}">
-                <p16:designElem xmlns="" xmlns:p16="http://schemas.microsoft.com/office/powerpoint/2015/main" val="1"/>
+                <p16:designElem xmlns:p16="http://schemas.microsoft.com/office/powerpoint/2015/main" xmlns="" val="1"/>
               </p:ext>
             </p:extLst>
           </p:nvPr>
@@ -4707,10 +4700,10 @@
           <p:cNvPr id="14" name="Rectangle 13">
             <a:extLst>
               <a:ext uri="{FF2B5EF4-FFF2-40B4-BE49-F238E27FC236}">
-                <a16:creationId xmlns="" xmlns:a16="http://schemas.microsoft.com/office/drawing/2014/main" id="{0B936867-6407-43FB-9DE6-1B0879D0CB31}"/>
+                <a16:creationId xmlns:a16="http://schemas.microsoft.com/office/drawing/2014/main" xmlns="" id="{0B936867-6407-43FB-9DE6-1B0879D0CB31}"/>
               </a:ext>
               <a:ext uri="{C183D7F6-B498-43B3-948B-1728B52AA6E4}">
-                <adec:decorative xmlns="" xmlns:adec="http://schemas.microsoft.com/office/drawing/2017/decorative" val="1"/>
+                <adec:decorative xmlns:adec="http://schemas.microsoft.com/office/drawing/2017/decorative" xmlns="" val="1"/>
               </a:ext>
             </a:extLst>
           </p:cNvPr>
@@ -4720,7 +4713,7 @@
           <p:nvPr>
             <p:extLst>
               <p:ext uri="{386F3935-93C4-4BCD-93E2-E3B085C9AB24}">
-                <p16:designElem xmlns="" xmlns:p16="http://schemas.microsoft.com/office/powerpoint/2015/main" val="1"/>
+                <p16:designElem xmlns:p16="http://schemas.microsoft.com/office/powerpoint/2015/main" xmlns="" val="1"/>
               </p:ext>
             </p:extLst>
           </p:nvPr>
@@ -4782,10 +4775,10 @@
           <p:cNvPr id="16" name="Rectangle 15">
             <a:extLst>
               <a:ext uri="{FF2B5EF4-FFF2-40B4-BE49-F238E27FC236}">
-                <a16:creationId xmlns="" xmlns:a16="http://schemas.microsoft.com/office/drawing/2014/main" id="{ACD0B258-678B-4A8C-894F-848AF24A1922}"/>
+                <a16:creationId xmlns:a16="http://schemas.microsoft.com/office/drawing/2014/main" xmlns="" id="{ACD0B258-678B-4A8C-894F-848AF24A1922}"/>
               </a:ext>
               <a:ext uri="{C183D7F6-B498-43B3-948B-1728B52AA6E4}">
-                <adec:decorative xmlns="" xmlns:adec="http://schemas.microsoft.com/office/drawing/2017/decorative" val="1"/>
+                <adec:decorative xmlns:adec="http://schemas.microsoft.com/office/drawing/2017/decorative" xmlns="" val="1"/>
               </a:ext>
             </a:extLst>
           </p:cNvPr>
@@ -4795,7 +4788,7 @@
           <p:nvPr>
             <p:extLst>
               <p:ext uri="{386F3935-93C4-4BCD-93E2-E3B085C9AB24}">
-                <p16:designElem xmlns="" xmlns:p16="http://schemas.microsoft.com/office/powerpoint/2015/main" val="1"/>
+                <p16:designElem xmlns:p16="http://schemas.microsoft.com/office/powerpoint/2015/main" xmlns="" val="1"/>
               </p:ext>
             </p:extLst>
           </p:nvPr>
@@ -4857,10 +4850,10 @@
           <p:cNvPr id="18" name="Rectangle 17">
             <a:extLst>
               <a:ext uri="{FF2B5EF4-FFF2-40B4-BE49-F238E27FC236}">
-                <a16:creationId xmlns="" xmlns:a16="http://schemas.microsoft.com/office/drawing/2014/main" id="{2F003F3F-F118-41D2-AA3F-74DB0D1970BB}"/>
+                <a16:creationId xmlns:a16="http://schemas.microsoft.com/office/drawing/2014/main" xmlns="" id="{2F003F3F-F118-41D2-AA3F-74DB0D1970BB}"/>
               </a:ext>
               <a:ext uri="{C183D7F6-B498-43B3-948B-1728B52AA6E4}">
-                <adec:decorative xmlns="" xmlns:adec="http://schemas.microsoft.com/office/drawing/2017/decorative" val="1"/>
+                <adec:decorative xmlns:adec="http://schemas.microsoft.com/office/drawing/2017/decorative" xmlns="" val="1"/>
               </a:ext>
             </a:extLst>
           </p:cNvPr>
@@ -4870,7 +4863,7 @@
           <p:nvPr>
             <p:extLst>
               <p:ext uri="{386F3935-93C4-4BCD-93E2-E3B085C9AB24}">
-                <p16:designElem xmlns="" xmlns:p16="http://schemas.microsoft.com/office/powerpoint/2015/main" val="1"/>
+                <p16:designElem xmlns:p16="http://schemas.microsoft.com/office/powerpoint/2015/main" xmlns="" val="1"/>
               </p:ext>
             </p:extLst>
           </p:nvPr>
@@ -4934,10 +4927,10 @@
           <p:cNvPr id="20" name="Freeform: Shape 19">
             <a:extLst>
               <a:ext uri="{FF2B5EF4-FFF2-40B4-BE49-F238E27FC236}">
-                <a16:creationId xmlns="" xmlns:a16="http://schemas.microsoft.com/office/drawing/2014/main" id="{C8D58395-74AF-401A-AF2F-76B6FCF71DFE}"/>
+                <a16:creationId xmlns:a16="http://schemas.microsoft.com/office/drawing/2014/main" xmlns="" id="{C8D58395-74AF-401A-AF2F-76B6FCF71DFE}"/>
               </a:ext>
               <a:ext uri="{C183D7F6-B498-43B3-948B-1728B52AA6E4}">
-                <adec:decorative xmlns="" xmlns:adec="http://schemas.microsoft.com/office/drawing/2017/decorative" val="1"/>
+                <adec:decorative xmlns:adec="http://schemas.microsoft.com/office/drawing/2017/decorative" xmlns="" val="1"/>
               </a:ext>
             </a:extLst>
           </p:cNvPr>
@@ -4947,7 +4940,7 @@
           <p:nvPr>
             <p:extLst>
               <p:ext uri="{386F3935-93C4-4BCD-93E2-E3B085C9AB24}">
-                <p16:designElem xmlns="" xmlns:p16="http://schemas.microsoft.com/office/powerpoint/2015/main" val="1"/>
+                <p16:designElem xmlns:p16="http://schemas.microsoft.com/office/powerpoint/2015/main" xmlns="" val="1"/>
               </p:ext>
             </p:extLst>
           </p:nvPr>
@@ -5104,7 +5097,7 @@
           <p:cNvPr id="2" name="Заголовок 1">
             <a:extLst>
               <a:ext uri="{FF2B5EF4-FFF2-40B4-BE49-F238E27FC236}">
-                <a16:creationId xmlns="" xmlns:a16="http://schemas.microsoft.com/office/drawing/2014/main" id="{F70455C8-C8FE-A165-D1C7-E39B72BDADFD}"/>
+                <a16:creationId xmlns:a16="http://schemas.microsoft.com/office/drawing/2014/main" xmlns="" id="{F70455C8-C8FE-A165-D1C7-E39B72BDADFD}"/>
               </a:ext>
             </a:extLst>
           </p:cNvPr>
@@ -5151,7 +5144,7 @@
           <p:cNvPr id="3" name="Объект 2">
             <a:extLst>
               <a:ext uri="{FF2B5EF4-FFF2-40B4-BE49-F238E27FC236}">
-                <a16:creationId xmlns="" xmlns:a16="http://schemas.microsoft.com/office/drawing/2014/main" id="{1E1F1745-F7DB-083C-5631-BAA708D5EBCE}"/>
+                <a16:creationId xmlns:a16="http://schemas.microsoft.com/office/drawing/2014/main" xmlns="" id="{1E1F1745-F7DB-083C-5631-BAA708D5EBCE}"/>
               </a:ext>
             </a:extLst>
           </p:cNvPr>
@@ -5330,7 +5323,7 @@
     </p:spTree>
     <p:extLst>
       <p:ext uri="{BB962C8B-B14F-4D97-AF65-F5344CB8AC3E}">
-        <p14:creationId xmlns="" xmlns:p14="http://schemas.microsoft.com/office/powerpoint/2010/main" val="946009874"/>
+        <p14:creationId xmlns:p14="http://schemas.microsoft.com/office/powerpoint/2010/main" xmlns="" val="946009874"/>
       </p:ext>
     </p:extLst>
   </p:cSld>
@@ -5370,10 +5363,10 @@
           <p:cNvPr id="22" name="Rectangle 7">
             <a:extLst>
               <a:ext uri="{FF2B5EF4-FFF2-40B4-BE49-F238E27FC236}">
-                <a16:creationId xmlns="" xmlns:a16="http://schemas.microsoft.com/office/drawing/2014/main" id="{979E27D9-03C7-44E2-9FF8-15D0C8506AF7}"/>
+                <a16:creationId xmlns:a16="http://schemas.microsoft.com/office/drawing/2014/main" xmlns="" id="{979E27D9-03C7-44E2-9FF8-15D0C8506AF7}"/>
               </a:ext>
               <a:ext uri="{C183D7F6-B498-43B3-948B-1728B52AA6E4}">
-                <adec:decorative xmlns="" xmlns:adec="http://schemas.microsoft.com/office/drawing/2017/decorative" val="1"/>
+                <adec:decorative xmlns:adec="http://schemas.microsoft.com/office/drawing/2017/decorative" xmlns="" val="1"/>
               </a:ext>
             </a:extLst>
           </p:cNvPr>
@@ -5383,7 +5376,7 @@
           <p:nvPr>
             <p:extLst>
               <p:ext uri="{386F3935-93C4-4BCD-93E2-E3B085C9AB24}">
-                <p16:designElem xmlns="" xmlns:p16="http://schemas.microsoft.com/office/powerpoint/2015/main" val="1"/>
+                <p16:designElem xmlns:p16="http://schemas.microsoft.com/office/powerpoint/2015/main" xmlns="" val="1"/>
               </p:ext>
             </p:extLst>
           </p:nvPr>
@@ -5404,7 +5397,7 @@
           <a:effectLst/>
           <a:extLst>
             <a:ext uri="{91240B29-F687-4F45-9708-019B960494DF}">
-              <a14:hiddenLine xmlns="" xmlns:a14="http://schemas.microsoft.com/office/drawing/2010/main" w="12700" cap="flat" cmpd="sng" algn="ctr">
+              <a14:hiddenLine xmlns:a14="http://schemas.microsoft.com/office/drawing/2010/main" xmlns="" w="12700" cap="flat" cmpd="sng" algn="ctr">
                 <a:solidFill>
                   <a:schemeClr val="accent1">
                     <a:shade val="50000"/>
@@ -5446,7 +5439,7 @@
           <p:cNvPr id="2" name="Заголовок 1">
             <a:extLst>
               <a:ext uri="{FF2B5EF4-FFF2-40B4-BE49-F238E27FC236}">
-                <a16:creationId xmlns="" xmlns:a16="http://schemas.microsoft.com/office/drawing/2014/main" id="{F9864373-0C33-5985-48DE-747A4897942E}"/>
+                <a16:creationId xmlns:a16="http://schemas.microsoft.com/office/drawing/2014/main" xmlns="" id="{F9864373-0C33-5985-48DE-747A4897942E}"/>
               </a:ext>
             </a:extLst>
           </p:cNvPr>
@@ -5485,7 +5478,7 @@
           <p:cNvPr id="3" name="Объект 2">
             <a:extLst>
               <a:ext uri="{FF2B5EF4-FFF2-40B4-BE49-F238E27FC236}">
-                <a16:creationId xmlns="" xmlns:a16="http://schemas.microsoft.com/office/drawing/2014/main" id="{2181A120-6923-B401-5BFE-34D884452F3C}"/>
+                <a16:creationId xmlns:a16="http://schemas.microsoft.com/office/drawing/2014/main" xmlns="" id="{2181A120-6923-B401-5BFE-34D884452F3C}"/>
               </a:ext>
             </a:extLst>
           </p:cNvPr>
@@ -5562,10 +5555,10 @@
           <p:cNvPr id="23" name="Rectangle 9">
             <a:extLst>
               <a:ext uri="{FF2B5EF4-FFF2-40B4-BE49-F238E27FC236}">
-                <a16:creationId xmlns="" xmlns:a16="http://schemas.microsoft.com/office/drawing/2014/main" id="{EEBF1590-3B36-48EE-A89D-3B6F3CB256AB}"/>
+                <a16:creationId xmlns:a16="http://schemas.microsoft.com/office/drawing/2014/main" xmlns="" id="{EEBF1590-3B36-48EE-A89D-3B6F3CB256AB}"/>
               </a:ext>
               <a:ext uri="{C183D7F6-B498-43B3-948B-1728B52AA6E4}">
-                <adec:decorative xmlns="" xmlns:adec="http://schemas.microsoft.com/office/drawing/2017/decorative" val="1"/>
+                <adec:decorative xmlns:adec="http://schemas.microsoft.com/office/drawing/2017/decorative" xmlns="" val="1"/>
               </a:ext>
             </a:extLst>
           </p:cNvPr>
@@ -5575,7 +5568,7 @@
           <p:nvPr>
             <p:extLst>
               <p:ext uri="{386F3935-93C4-4BCD-93E2-E3B085C9AB24}">
-                <p16:designElem xmlns="" xmlns:p16="http://schemas.microsoft.com/office/powerpoint/2015/main" val="1"/>
+                <p16:designElem xmlns:p16="http://schemas.microsoft.com/office/powerpoint/2015/main" xmlns="" val="1"/>
               </p:ext>
             </p:extLst>
           </p:nvPr>
@@ -5633,10 +5626,10 @@
           <p:cNvPr id="24" name="Rectangle 11">
             <a:extLst>
               <a:ext uri="{FF2B5EF4-FFF2-40B4-BE49-F238E27FC236}">
-                <a16:creationId xmlns="" xmlns:a16="http://schemas.microsoft.com/office/drawing/2014/main" id="{AC8F6C8C-AB5A-4548-942D-E3FD40ACBC49}"/>
+                <a16:creationId xmlns:a16="http://schemas.microsoft.com/office/drawing/2014/main" xmlns="" id="{AC8F6C8C-AB5A-4548-942D-E3FD40ACBC49}"/>
               </a:ext>
               <a:ext uri="{C183D7F6-B498-43B3-948B-1728B52AA6E4}">
-                <adec:decorative xmlns="" xmlns:adec="http://schemas.microsoft.com/office/drawing/2017/decorative" val="1"/>
+                <adec:decorative xmlns:adec="http://schemas.microsoft.com/office/drawing/2017/decorative" xmlns="" val="1"/>
               </a:ext>
             </a:extLst>
           </p:cNvPr>
@@ -5646,7 +5639,7 @@
           <p:nvPr>
             <p:extLst>
               <p:ext uri="{386F3935-93C4-4BCD-93E2-E3B085C9AB24}">
-                <p16:designElem xmlns="" xmlns:p16="http://schemas.microsoft.com/office/powerpoint/2015/main" val="1"/>
+                <p16:designElem xmlns:p16="http://schemas.microsoft.com/office/powerpoint/2015/main" xmlns="" val="1"/>
               </p:ext>
             </p:extLst>
           </p:nvPr>
@@ -5706,7 +5699,7 @@
     </p:spTree>
     <p:extLst>
       <p:ext uri="{BB962C8B-B14F-4D97-AF65-F5344CB8AC3E}">
-        <p14:creationId xmlns="" xmlns:p14="http://schemas.microsoft.com/office/powerpoint/2010/main" val="464592260"/>
+        <p14:creationId xmlns:p14="http://schemas.microsoft.com/office/powerpoint/2010/main" xmlns="" val="464592260"/>
       </p:ext>
     </p:extLst>
   </p:cSld>
@@ -5746,10 +5739,10 @@
           <p:cNvPr id="8" name="Rectangle 7">
             <a:extLst>
               <a:ext uri="{FF2B5EF4-FFF2-40B4-BE49-F238E27FC236}">
-                <a16:creationId xmlns="" xmlns:a16="http://schemas.microsoft.com/office/drawing/2014/main" id="{577D6B2E-37A3-429E-A37C-F30ED6487282}"/>
+                <a16:creationId xmlns:a16="http://schemas.microsoft.com/office/drawing/2014/main" xmlns="" id="{577D6B2E-37A3-429E-A37C-F30ED6487282}"/>
               </a:ext>
               <a:ext uri="{C183D7F6-B498-43B3-948B-1728B52AA6E4}">
-                <adec:decorative xmlns="" xmlns:adec="http://schemas.microsoft.com/office/drawing/2017/decorative" val="1"/>
+                <adec:decorative xmlns:adec="http://schemas.microsoft.com/office/drawing/2017/decorative" xmlns="" val="1"/>
               </a:ext>
             </a:extLst>
           </p:cNvPr>
@@ -5759,7 +5752,7 @@
           <p:nvPr>
             <p:extLst>
               <p:ext uri="{386F3935-93C4-4BCD-93E2-E3B085C9AB24}">
-                <p16:designElem xmlns="" xmlns:p16="http://schemas.microsoft.com/office/powerpoint/2015/main" val="1"/>
+                <p16:designElem xmlns:p16="http://schemas.microsoft.com/office/powerpoint/2015/main" xmlns="" val="1"/>
               </p:ext>
             </p:extLst>
           </p:nvPr>
@@ -5780,7 +5773,7 @@
           <a:effectLst/>
           <a:extLst>
             <a:ext uri="{91240B29-F687-4F45-9708-019B960494DF}">
-              <a14:hiddenLine xmlns="" xmlns:a14="http://schemas.microsoft.com/office/drawing/2010/main" w="12700" cap="flat" cmpd="sng" algn="ctr">
+              <a14:hiddenLine xmlns:a14="http://schemas.microsoft.com/office/drawing/2010/main" xmlns="" w="12700" cap="flat" cmpd="sng" algn="ctr">
                 <a:solidFill>
                   <a:schemeClr val="accent1">
                     <a:shade val="50000"/>
@@ -5822,10 +5815,10 @@
           <p:cNvPr id="10" name="Rectangle 9">
             <a:extLst>
               <a:ext uri="{FF2B5EF4-FFF2-40B4-BE49-F238E27FC236}">
-                <a16:creationId xmlns="" xmlns:a16="http://schemas.microsoft.com/office/drawing/2014/main" id="{5CEAD642-85CF-4750-8432-7C80C901F001}"/>
+                <a16:creationId xmlns:a16="http://schemas.microsoft.com/office/drawing/2014/main" xmlns="" id="{5CEAD642-85CF-4750-8432-7C80C901F001}"/>
               </a:ext>
               <a:ext uri="{C183D7F6-B498-43B3-948B-1728B52AA6E4}">
-                <adec:decorative xmlns="" xmlns:adec="http://schemas.microsoft.com/office/drawing/2017/decorative" val="1"/>
+                <adec:decorative xmlns:adec="http://schemas.microsoft.com/office/drawing/2017/decorative" xmlns="" val="1"/>
               </a:ext>
             </a:extLst>
           </p:cNvPr>
@@ -5835,7 +5828,7 @@
           <p:nvPr>
             <p:extLst>
               <p:ext uri="{386F3935-93C4-4BCD-93E2-E3B085C9AB24}">
-                <p16:designElem xmlns="" xmlns:p16="http://schemas.microsoft.com/office/powerpoint/2015/main" val="1"/>
+                <p16:designElem xmlns:p16="http://schemas.microsoft.com/office/powerpoint/2015/main" xmlns="" val="1"/>
               </p:ext>
             </p:extLst>
           </p:nvPr>
@@ -5895,10 +5888,10 @@
           <p:cNvPr id="12" name="Rectangle 11">
             <a:extLst>
               <a:ext uri="{FF2B5EF4-FFF2-40B4-BE49-F238E27FC236}">
-                <a16:creationId xmlns="" xmlns:a16="http://schemas.microsoft.com/office/drawing/2014/main" id="{FA33EEAE-15D5-4119-8C1E-89D943F911EF}"/>
+                <a16:creationId xmlns:a16="http://schemas.microsoft.com/office/drawing/2014/main" xmlns="" id="{FA33EEAE-15D5-4119-8C1E-89D943F911EF}"/>
               </a:ext>
               <a:ext uri="{C183D7F6-B498-43B3-948B-1728B52AA6E4}">
-                <adec:decorative xmlns="" xmlns:adec="http://schemas.microsoft.com/office/drawing/2017/decorative" val="1"/>
+                <adec:decorative xmlns:adec="http://schemas.microsoft.com/office/drawing/2017/decorative" xmlns="" val="1"/>
               </a:ext>
             </a:extLst>
           </p:cNvPr>
@@ -5908,7 +5901,7 @@
           <p:nvPr>
             <p:extLst>
               <p:ext uri="{386F3935-93C4-4BCD-93E2-E3B085C9AB24}">
-                <p16:designElem xmlns="" xmlns:p16="http://schemas.microsoft.com/office/powerpoint/2015/main" val="1"/>
+                <p16:designElem xmlns:p16="http://schemas.microsoft.com/office/powerpoint/2015/main" xmlns="" val="1"/>
               </p:ext>
             </p:extLst>
           </p:nvPr>
@@ -5971,10 +5964,10 @@
           <p:cNvPr id="14" name="Rectangle 13">
             <a:extLst>
               <a:ext uri="{FF2B5EF4-FFF2-40B4-BE49-F238E27FC236}">
-                <a16:creationId xmlns="" xmlns:a16="http://schemas.microsoft.com/office/drawing/2014/main" id="{730D8B3B-9B80-4025-B934-26DC7D7CD231}"/>
+                <a16:creationId xmlns:a16="http://schemas.microsoft.com/office/drawing/2014/main" xmlns="" id="{730D8B3B-9B80-4025-B934-26DC7D7CD231}"/>
               </a:ext>
               <a:ext uri="{C183D7F6-B498-43B3-948B-1728B52AA6E4}">
-                <adec:decorative xmlns="" xmlns:adec="http://schemas.microsoft.com/office/drawing/2017/decorative" val="1"/>
+                <adec:decorative xmlns:adec="http://schemas.microsoft.com/office/drawing/2017/decorative" xmlns="" val="1"/>
               </a:ext>
             </a:extLst>
           </p:cNvPr>
@@ -5984,7 +5977,7 @@
           <p:nvPr>
             <p:extLst>
               <p:ext uri="{386F3935-93C4-4BCD-93E2-E3B085C9AB24}">
-                <p16:designElem xmlns="" xmlns:p16="http://schemas.microsoft.com/office/powerpoint/2015/main" val="1"/>
+                <p16:designElem xmlns:p16="http://schemas.microsoft.com/office/powerpoint/2015/main" xmlns="" val="1"/>
               </p:ext>
             </p:extLst>
           </p:nvPr>
@@ -6047,10 +6040,10 @@
           <p:cNvPr id="16" name="Rectangle 15">
             <a:extLst>
               <a:ext uri="{FF2B5EF4-FFF2-40B4-BE49-F238E27FC236}">
-                <a16:creationId xmlns="" xmlns:a16="http://schemas.microsoft.com/office/drawing/2014/main" id="{1064D5D5-227B-4F66-9AEA-46F570E793BD}"/>
+                <a16:creationId xmlns:a16="http://schemas.microsoft.com/office/drawing/2014/main" xmlns="" id="{1064D5D5-227B-4F66-9AEA-46F570E793BD}"/>
               </a:ext>
               <a:ext uri="{C183D7F6-B498-43B3-948B-1728B52AA6E4}">
-                <adec:decorative xmlns="" xmlns:adec="http://schemas.microsoft.com/office/drawing/2017/decorative" val="1"/>
+                <adec:decorative xmlns:adec="http://schemas.microsoft.com/office/drawing/2017/decorative" xmlns="" val="1"/>
               </a:ext>
             </a:extLst>
           </p:cNvPr>
@@ -6060,7 +6053,7 @@
           <p:nvPr>
             <p:extLst>
               <p:ext uri="{386F3935-93C4-4BCD-93E2-E3B085C9AB24}">
-                <p16:designElem xmlns="" xmlns:p16="http://schemas.microsoft.com/office/powerpoint/2015/main" val="1"/>
+                <p16:designElem xmlns:p16="http://schemas.microsoft.com/office/powerpoint/2015/main" xmlns="" val="1"/>
               </p:ext>
             </p:extLst>
           </p:nvPr>
@@ -6123,10 +6116,10 @@
           <p:cNvPr id="18" name="Rectangle 17">
             <a:extLst>
               <a:ext uri="{FF2B5EF4-FFF2-40B4-BE49-F238E27FC236}">
-                <a16:creationId xmlns="" xmlns:a16="http://schemas.microsoft.com/office/drawing/2014/main" id="{646B67A4-D328-4747-A82B-65E84FA46368}"/>
+                <a16:creationId xmlns:a16="http://schemas.microsoft.com/office/drawing/2014/main" xmlns="" id="{646B67A4-D328-4747-A82B-65E84FA46368}"/>
               </a:ext>
               <a:ext uri="{C183D7F6-B498-43B3-948B-1728B52AA6E4}">
-                <adec:decorative xmlns="" xmlns:adec="http://schemas.microsoft.com/office/drawing/2017/decorative" val="1"/>
+                <adec:decorative xmlns:adec="http://schemas.microsoft.com/office/drawing/2017/decorative" xmlns="" val="1"/>
               </a:ext>
             </a:extLst>
           </p:cNvPr>
@@ -6136,7 +6129,7 @@
           <p:nvPr>
             <p:extLst>
               <p:ext uri="{386F3935-93C4-4BCD-93E2-E3B085C9AB24}">
-                <p16:designElem xmlns="" xmlns:p16="http://schemas.microsoft.com/office/powerpoint/2015/main" val="1"/>
+                <p16:designElem xmlns:p16="http://schemas.microsoft.com/office/powerpoint/2015/main" xmlns="" val="1"/>
               </p:ext>
             </p:extLst>
           </p:nvPr>
@@ -6199,10 +6192,10 @@
           <p:cNvPr id="20" name="Oval 19">
             <a:extLst>
               <a:ext uri="{FF2B5EF4-FFF2-40B4-BE49-F238E27FC236}">
-                <a16:creationId xmlns="" xmlns:a16="http://schemas.microsoft.com/office/drawing/2014/main" id="{B5A1B09C-1565-46F8-B70F-621C5EB48A09}"/>
+                <a16:creationId xmlns:a16="http://schemas.microsoft.com/office/drawing/2014/main" xmlns="" id="{B5A1B09C-1565-46F8-B70F-621C5EB48A09}"/>
               </a:ext>
               <a:ext uri="{C183D7F6-B498-43B3-948B-1728B52AA6E4}">
-                <adec:decorative xmlns="" xmlns:adec="http://schemas.microsoft.com/office/drawing/2017/decorative" val="1"/>
+                <adec:decorative xmlns:adec="http://schemas.microsoft.com/office/drawing/2017/decorative" xmlns="" val="1"/>
               </a:ext>
             </a:extLst>
           </p:cNvPr>
@@ -6212,7 +6205,7 @@
           <p:nvPr>
             <p:extLst>
               <p:ext uri="{386F3935-93C4-4BCD-93E2-E3B085C9AB24}">
-                <p16:designElem xmlns="" xmlns:p16="http://schemas.microsoft.com/office/powerpoint/2015/main" val="1"/>
+                <p16:designElem xmlns:p16="http://schemas.microsoft.com/office/powerpoint/2015/main" xmlns="" val="1"/>
               </p:ext>
             </p:extLst>
           </p:nvPr>
@@ -6276,7 +6269,7 @@
           <p:cNvPr id="2" name="Заголовок 1">
             <a:extLst>
               <a:ext uri="{FF2B5EF4-FFF2-40B4-BE49-F238E27FC236}">
-                <a16:creationId xmlns="" xmlns:a16="http://schemas.microsoft.com/office/drawing/2014/main" id="{5CBC7010-1CB3-F2D6-D06B-D107225FA163}"/>
+                <a16:creationId xmlns:a16="http://schemas.microsoft.com/office/drawing/2014/main" xmlns="" id="{5CBC7010-1CB3-F2D6-D06B-D107225FA163}"/>
               </a:ext>
             </a:extLst>
           </p:cNvPr>
@@ -6318,10 +6311,10 @@
           <p:cNvPr id="22" name="Rectangle 21">
             <a:extLst>
               <a:ext uri="{FF2B5EF4-FFF2-40B4-BE49-F238E27FC236}">
-                <a16:creationId xmlns="" xmlns:a16="http://schemas.microsoft.com/office/drawing/2014/main" id="{8C516CC8-80AC-446C-A56E-9F54B7210402}"/>
+                <a16:creationId xmlns:a16="http://schemas.microsoft.com/office/drawing/2014/main" xmlns="" id="{8C516CC8-80AC-446C-A56E-9F54B7210402}"/>
               </a:ext>
               <a:ext uri="{C183D7F6-B498-43B3-948B-1728B52AA6E4}">
-                <adec:decorative xmlns="" xmlns:adec="http://schemas.microsoft.com/office/drawing/2017/decorative" val="1"/>
+                <adec:decorative xmlns:adec="http://schemas.microsoft.com/office/drawing/2017/decorative" xmlns="" val="1"/>
               </a:ext>
             </a:extLst>
           </p:cNvPr>
@@ -6331,7 +6324,7 @@
           <p:nvPr>
             <p:extLst>
               <p:ext uri="{386F3935-93C4-4BCD-93E2-E3B085C9AB24}">
-                <p16:designElem xmlns="" xmlns:p16="http://schemas.microsoft.com/office/powerpoint/2015/main" val="1"/>
+                <p16:designElem xmlns:p16="http://schemas.microsoft.com/office/powerpoint/2015/main" xmlns="" val="1"/>
               </p:ext>
             </p:extLst>
           </p:nvPr>
@@ -6392,7 +6385,7 @@
     </p:spTree>
     <p:extLst>
       <p:ext uri="{BB962C8B-B14F-4D97-AF65-F5344CB8AC3E}">
-        <p14:creationId xmlns="" xmlns:p14="http://schemas.microsoft.com/office/powerpoint/2010/main" val="36788912"/>
+        <p14:creationId xmlns:p14="http://schemas.microsoft.com/office/powerpoint/2010/main" xmlns="" val="36788912"/>
       </p:ext>
     </p:extLst>
   </p:cSld>
@@ -6432,10 +6425,10 @@
           <p:cNvPr id="8" name="Rectangle 7">
             <a:extLst>
               <a:ext uri="{FF2B5EF4-FFF2-40B4-BE49-F238E27FC236}">
-                <a16:creationId xmlns="" xmlns:a16="http://schemas.microsoft.com/office/drawing/2014/main" id="{979E27D9-03C7-44E2-9FF8-15D0C8506AF7}"/>
+                <a16:creationId xmlns:a16="http://schemas.microsoft.com/office/drawing/2014/main" xmlns="" id="{979E27D9-03C7-44E2-9FF8-15D0C8506AF7}"/>
               </a:ext>
               <a:ext uri="{C183D7F6-B498-43B3-948B-1728B52AA6E4}">
-                <adec:decorative xmlns="" xmlns:adec="http://schemas.microsoft.com/office/drawing/2017/decorative" val="1"/>
+                <adec:decorative xmlns:adec="http://schemas.microsoft.com/office/drawing/2017/decorative" xmlns="" val="1"/>
               </a:ext>
             </a:extLst>
           </p:cNvPr>
@@ -6445,7 +6438,7 @@
           <p:nvPr>
             <p:extLst>
               <p:ext uri="{386F3935-93C4-4BCD-93E2-E3B085C9AB24}">
-                <p16:designElem xmlns="" xmlns:p16="http://schemas.microsoft.com/office/powerpoint/2015/main" val="1"/>
+                <p16:designElem xmlns:p16="http://schemas.microsoft.com/office/powerpoint/2015/main" xmlns="" val="1"/>
               </p:ext>
             </p:extLst>
           </p:nvPr>
@@ -6466,7 +6459,7 @@
           <a:effectLst/>
           <a:extLst>
             <a:ext uri="{91240B29-F687-4F45-9708-019B960494DF}">
-              <a14:hiddenLine xmlns="" xmlns:a14="http://schemas.microsoft.com/office/drawing/2010/main" w="12700" cap="flat" cmpd="sng" algn="ctr">
+              <a14:hiddenLine xmlns:a14="http://schemas.microsoft.com/office/drawing/2010/main" xmlns="" w="12700" cap="flat" cmpd="sng" algn="ctr">
                 <a:solidFill>
                   <a:schemeClr val="accent1">
                     <a:shade val="50000"/>
@@ -6508,7 +6501,7 @@
           <p:cNvPr id="2" name="Заголовок 1">
             <a:extLst>
               <a:ext uri="{FF2B5EF4-FFF2-40B4-BE49-F238E27FC236}">
-                <a16:creationId xmlns="" xmlns:a16="http://schemas.microsoft.com/office/drawing/2014/main" id="{F4E37E2D-72B7-D1C1-3F0F-F7D97B648FFD}"/>
+                <a16:creationId xmlns:a16="http://schemas.microsoft.com/office/drawing/2014/main" xmlns="" id="{F4E37E2D-72B7-D1C1-3F0F-F7D97B648FFD}"/>
               </a:ext>
             </a:extLst>
           </p:cNvPr>
@@ -6548,7 +6541,7 @@
           <p:cNvPr id="17" name="Объект 2">
             <a:extLst>
               <a:ext uri="{FF2B5EF4-FFF2-40B4-BE49-F238E27FC236}">
-                <a16:creationId xmlns="" xmlns:a16="http://schemas.microsoft.com/office/drawing/2014/main" id="{C121D713-9401-BBEE-0C5D-8D266BBB5BF1}"/>
+                <a16:creationId xmlns:a16="http://schemas.microsoft.com/office/drawing/2014/main" xmlns="" id="{C121D713-9401-BBEE-0C5D-8D266BBB5BF1}"/>
               </a:ext>
             </a:extLst>
           </p:cNvPr>
@@ -6614,10 +6607,10 @@
           <p:cNvPr id="10" name="Rectangle 9">
             <a:extLst>
               <a:ext uri="{FF2B5EF4-FFF2-40B4-BE49-F238E27FC236}">
-                <a16:creationId xmlns="" xmlns:a16="http://schemas.microsoft.com/office/drawing/2014/main" id="{EEBF1590-3B36-48EE-A89D-3B6F3CB256AB}"/>
+                <a16:creationId xmlns:a16="http://schemas.microsoft.com/office/drawing/2014/main" xmlns="" id="{EEBF1590-3B36-48EE-A89D-3B6F3CB256AB}"/>
               </a:ext>
               <a:ext uri="{C183D7F6-B498-43B3-948B-1728B52AA6E4}">
-                <adec:decorative xmlns="" xmlns:adec="http://schemas.microsoft.com/office/drawing/2017/decorative" val="1"/>
+                <adec:decorative xmlns:adec="http://schemas.microsoft.com/office/drawing/2017/decorative" xmlns="" val="1"/>
               </a:ext>
             </a:extLst>
           </p:cNvPr>
@@ -6627,7 +6620,7 @@
           <p:nvPr>
             <p:extLst>
               <p:ext uri="{386F3935-93C4-4BCD-93E2-E3B085C9AB24}">
-                <p16:designElem xmlns="" xmlns:p16="http://schemas.microsoft.com/office/powerpoint/2015/main" val="1"/>
+                <p16:designElem xmlns:p16="http://schemas.microsoft.com/office/powerpoint/2015/main" xmlns="" val="1"/>
               </p:ext>
             </p:extLst>
           </p:nvPr>
@@ -6687,10 +6680,10 @@
           <p:cNvPr id="12" name="Rectangle 11">
             <a:extLst>
               <a:ext uri="{FF2B5EF4-FFF2-40B4-BE49-F238E27FC236}">
-                <a16:creationId xmlns="" xmlns:a16="http://schemas.microsoft.com/office/drawing/2014/main" id="{AC8F6C8C-AB5A-4548-942D-E3FD40ACBC49}"/>
+                <a16:creationId xmlns:a16="http://schemas.microsoft.com/office/drawing/2014/main" xmlns="" id="{AC8F6C8C-AB5A-4548-942D-E3FD40ACBC49}"/>
               </a:ext>
               <a:ext uri="{C183D7F6-B498-43B3-948B-1728B52AA6E4}">
-                <adec:decorative xmlns="" xmlns:adec="http://schemas.microsoft.com/office/drawing/2017/decorative" val="1"/>
+                <adec:decorative xmlns:adec="http://schemas.microsoft.com/office/drawing/2017/decorative" xmlns="" val="1"/>
               </a:ext>
             </a:extLst>
           </p:cNvPr>
@@ -6700,7 +6693,7 @@
           <p:nvPr>
             <p:extLst>
               <p:ext uri="{386F3935-93C4-4BCD-93E2-E3B085C9AB24}">
-                <p16:designElem xmlns="" xmlns:p16="http://schemas.microsoft.com/office/powerpoint/2015/main" val="1"/>
+                <p16:designElem xmlns:p16="http://schemas.microsoft.com/office/powerpoint/2015/main" xmlns="" val="1"/>
               </p:ext>
             </p:extLst>
           </p:nvPr>
@@ -6758,7 +6751,7 @@
     </p:spTree>
     <p:extLst>
       <p:ext uri="{BB962C8B-B14F-4D97-AF65-F5344CB8AC3E}">
-        <p14:creationId xmlns="" xmlns:p14="http://schemas.microsoft.com/office/powerpoint/2010/main" val="1038001183"/>
+        <p14:creationId xmlns:p14="http://schemas.microsoft.com/office/powerpoint/2010/main" xmlns="" val="1038001183"/>
       </p:ext>
     </p:extLst>
   </p:cSld>
@@ -6798,10 +6791,10 @@
           <p:cNvPr id="7" name="Rectangle 6">
             <a:extLst>
               <a:ext uri="{FF2B5EF4-FFF2-40B4-BE49-F238E27FC236}">
-                <a16:creationId xmlns="" xmlns:a16="http://schemas.microsoft.com/office/drawing/2014/main" id="{0E30439A-8A5B-46EC-8283-9B6B031D40D0}"/>
+                <a16:creationId xmlns:a16="http://schemas.microsoft.com/office/drawing/2014/main" xmlns="" id="{0E30439A-8A5B-46EC-8283-9B6B031D40D0}"/>
               </a:ext>
               <a:ext uri="{C183D7F6-B498-43B3-948B-1728B52AA6E4}">
-                <adec:decorative xmlns="" xmlns:adec="http://schemas.microsoft.com/office/drawing/2017/decorative" val="1"/>
+                <adec:decorative xmlns:adec="http://schemas.microsoft.com/office/drawing/2017/decorative" xmlns="" val="1"/>
               </a:ext>
             </a:extLst>
           </p:cNvPr>
@@ -6811,7 +6804,7 @@
           <p:nvPr>
             <p:extLst>
               <p:ext uri="{386F3935-93C4-4BCD-93E2-E3B085C9AB24}">
-                <p16:designElem xmlns="" xmlns:p16="http://schemas.microsoft.com/office/powerpoint/2015/main" val="1"/>
+                <p16:designElem xmlns:p16="http://schemas.microsoft.com/office/powerpoint/2015/main" xmlns="" val="1"/>
               </p:ext>
             </p:extLst>
           </p:nvPr>
@@ -6832,7 +6825,7 @@
           <a:effectLst/>
           <a:extLst>
             <a:ext uri="{91240B29-F687-4F45-9708-019B960494DF}">
-              <a14:hiddenLine xmlns="" xmlns:a14="http://schemas.microsoft.com/office/drawing/2010/main" w="12700" cap="flat" cmpd="sng" algn="ctr">
+              <a14:hiddenLine xmlns:a14="http://schemas.microsoft.com/office/drawing/2010/main" xmlns="" w="12700" cap="flat" cmpd="sng" algn="ctr">
                 <a:solidFill>
                   <a:schemeClr val="accent1">
                     <a:shade val="50000"/>
@@ -6874,10 +6867,10 @@
           <p:cNvPr id="9" name="Rectangle 8">
             <a:extLst>
               <a:ext uri="{FF2B5EF4-FFF2-40B4-BE49-F238E27FC236}">
-                <a16:creationId xmlns="" xmlns:a16="http://schemas.microsoft.com/office/drawing/2014/main" id="{5CEAD642-85CF-4750-8432-7C80C901F001}"/>
+                <a16:creationId xmlns:a16="http://schemas.microsoft.com/office/drawing/2014/main" xmlns="" id="{5CEAD642-85CF-4750-8432-7C80C901F001}"/>
               </a:ext>
               <a:ext uri="{C183D7F6-B498-43B3-948B-1728B52AA6E4}">
-                <adec:decorative xmlns="" xmlns:adec="http://schemas.microsoft.com/office/drawing/2017/decorative" val="1"/>
+                <adec:decorative xmlns:adec="http://schemas.microsoft.com/office/drawing/2017/decorative" xmlns="" val="1"/>
               </a:ext>
             </a:extLst>
           </p:cNvPr>
@@ -6887,7 +6880,7 @@
           <p:nvPr>
             <p:extLst>
               <p:ext uri="{386F3935-93C4-4BCD-93E2-E3B085C9AB24}">
-                <p16:designElem xmlns="" xmlns:p16="http://schemas.microsoft.com/office/powerpoint/2015/main" val="1"/>
+                <p16:designElem xmlns:p16="http://schemas.microsoft.com/office/powerpoint/2015/main" xmlns="" val="1"/>
               </p:ext>
             </p:extLst>
           </p:nvPr>
@@ -6947,10 +6940,10 @@
           <p:cNvPr id="11" name="Rectangle 10">
             <a:extLst>
               <a:ext uri="{FF2B5EF4-FFF2-40B4-BE49-F238E27FC236}">
-                <a16:creationId xmlns="" xmlns:a16="http://schemas.microsoft.com/office/drawing/2014/main" id="{FA33EEAE-15D5-4119-8C1E-89D943F911EF}"/>
+                <a16:creationId xmlns:a16="http://schemas.microsoft.com/office/drawing/2014/main" xmlns="" id="{FA33EEAE-15D5-4119-8C1E-89D943F911EF}"/>
               </a:ext>
               <a:ext uri="{C183D7F6-B498-43B3-948B-1728B52AA6E4}">
-                <adec:decorative xmlns="" xmlns:adec="http://schemas.microsoft.com/office/drawing/2017/decorative" val="1"/>
+                <adec:decorative xmlns:adec="http://schemas.microsoft.com/office/drawing/2017/decorative" xmlns="" val="1"/>
               </a:ext>
             </a:extLst>
           </p:cNvPr>
@@ -6960,7 +6953,7 @@
           <p:nvPr>
             <p:extLst>
               <p:ext uri="{386F3935-93C4-4BCD-93E2-E3B085C9AB24}">
-                <p16:designElem xmlns="" xmlns:p16="http://schemas.microsoft.com/office/powerpoint/2015/main" val="1"/>
+                <p16:designElem xmlns:p16="http://schemas.microsoft.com/office/powerpoint/2015/main" xmlns="" val="1"/>
               </p:ext>
             </p:extLst>
           </p:nvPr>
@@ -7023,10 +7016,10 @@
           <p:cNvPr id="13" name="Rectangle 12">
             <a:extLst>
               <a:ext uri="{FF2B5EF4-FFF2-40B4-BE49-F238E27FC236}">
-                <a16:creationId xmlns="" xmlns:a16="http://schemas.microsoft.com/office/drawing/2014/main" id="{730D8B3B-9B80-4025-B934-26DC7D7CD231}"/>
+                <a16:creationId xmlns:a16="http://schemas.microsoft.com/office/drawing/2014/main" xmlns="" id="{730D8B3B-9B80-4025-B934-26DC7D7CD231}"/>
               </a:ext>
               <a:ext uri="{C183D7F6-B498-43B3-948B-1728B52AA6E4}">
-                <adec:decorative xmlns="" xmlns:adec="http://schemas.microsoft.com/office/drawing/2017/decorative" val="1"/>
+                <adec:decorative xmlns:adec="http://schemas.microsoft.com/office/drawing/2017/decorative" xmlns="" val="1"/>
               </a:ext>
             </a:extLst>
           </p:cNvPr>
@@ -7036,7 +7029,7 @@
           <p:nvPr>
             <p:extLst>
               <p:ext uri="{386F3935-93C4-4BCD-93E2-E3B085C9AB24}">
-                <p16:designElem xmlns="" xmlns:p16="http://schemas.microsoft.com/office/powerpoint/2015/main" val="1"/>
+                <p16:designElem xmlns:p16="http://schemas.microsoft.com/office/powerpoint/2015/main" xmlns="" val="1"/>
               </p:ext>
             </p:extLst>
           </p:nvPr>
@@ -7099,10 +7092,10 @@
           <p:cNvPr id="15" name="Oval 14">
             <a:extLst>
               <a:ext uri="{FF2B5EF4-FFF2-40B4-BE49-F238E27FC236}">
-                <a16:creationId xmlns="" xmlns:a16="http://schemas.microsoft.com/office/drawing/2014/main" id="{B5A1B09C-1565-46F8-B70F-621C5EB48A09}"/>
+                <a16:creationId xmlns:a16="http://schemas.microsoft.com/office/drawing/2014/main" xmlns="" id="{B5A1B09C-1565-46F8-B70F-621C5EB48A09}"/>
               </a:ext>
               <a:ext uri="{C183D7F6-B498-43B3-948B-1728B52AA6E4}">
-                <adec:decorative xmlns="" xmlns:adec="http://schemas.microsoft.com/office/drawing/2017/decorative" val="1"/>
+                <adec:decorative xmlns:adec="http://schemas.microsoft.com/office/drawing/2017/decorative" xmlns="" val="1"/>
               </a:ext>
             </a:extLst>
           </p:cNvPr>
@@ -7112,7 +7105,7 @@
           <p:nvPr>
             <p:extLst>
               <p:ext uri="{386F3935-93C4-4BCD-93E2-E3B085C9AB24}">
-                <p16:designElem xmlns="" xmlns:p16="http://schemas.microsoft.com/office/powerpoint/2015/main" val="1"/>
+                <p16:designElem xmlns:p16="http://schemas.microsoft.com/office/powerpoint/2015/main" xmlns="" val="1"/>
               </p:ext>
             </p:extLst>
           </p:nvPr>
@@ -7176,7 +7169,7 @@
           <p:cNvPr id="2" name="Заголовок 1">
             <a:extLst>
               <a:ext uri="{FF2B5EF4-FFF2-40B4-BE49-F238E27FC236}">
-                <a16:creationId xmlns="" xmlns:a16="http://schemas.microsoft.com/office/drawing/2014/main" id="{298E8D76-6110-FB04-879F-20B30E8E8BDD}"/>
+                <a16:creationId xmlns:a16="http://schemas.microsoft.com/office/drawing/2014/main" xmlns="" id="{298E8D76-6110-FB04-879F-20B30E8E8BDD}"/>
               </a:ext>
             </a:extLst>
           </p:cNvPr>
@@ -7219,10 +7212,10 @@
           <p:cNvPr id="17" name="Rectangle 16">
             <a:extLst>
               <a:ext uri="{FF2B5EF4-FFF2-40B4-BE49-F238E27FC236}">
-                <a16:creationId xmlns="" xmlns:a16="http://schemas.microsoft.com/office/drawing/2014/main" id="{8C516CC8-80AC-446C-A56E-9F54B7210402}"/>
+                <a16:creationId xmlns:a16="http://schemas.microsoft.com/office/drawing/2014/main" xmlns="" id="{8C516CC8-80AC-446C-A56E-9F54B7210402}"/>
               </a:ext>
               <a:ext uri="{C183D7F6-B498-43B3-948B-1728B52AA6E4}">
-                <adec:decorative xmlns="" xmlns:adec="http://schemas.microsoft.com/office/drawing/2017/decorative" val="1"/>
+                <adec:decorative xmlns:adec="http://schemas.microsoft.com/office/drawing/2017/decorative" xmlns="" val="1"/>
               </a:ext>
             </a:extLst>
           </p:cNvPr>
@@ -7232,7 +7225,7 @@
           <p:nvPr>
             <p:extLst>
               <p:ext uri="{386F3935-93C4-4BCD-93E2-E3B085C9AB24}">
-                <p16:designElem xmlns="" xmlns:p16="http://schemas.microsoft.com/office/powerpoint/2015/main" val="1"/>
+                <p16:designElem xmlns:p16="http://schemas.microsoft.com/office/powerpoint/2015/main" xmlns="" val="1"/>
               </p:ext>
             </p:extLst>
           </p:nvPr>
@@ -7295,10 +7288,10 @@
           <p:cNvPr id="19" name="Rectangle 18">
             <a:extLst>
               <a:ext uri="{FF2B5EF4-FFF2-40B4-BE49-F238E27FC236}">
-                <a16:creationId xmlns="" xmlns:a16="http://schemas.microsoft.com/office/drawing/2014/main" id="{53947E58-F088-49F1-A3D1-DEA690192E84}"/>
+                <a16:creationId xmlns:a16="http://schemas.microsoft.com/office/drawing/2014/main" xmlns="" id="{53947E58-F088-49F1-A3D1-DEA690192E84}"/>
               </a:ext>
               <a:ext uri="{C183D7F6-B498-43B3-948B-1728B52AA6E4}">
-                <adec:decorative xmlns="" xmlns:adec="http://schemas.microsoft.com/office/drawing/2017/decorative" val="1"/>
+                <adec:decorative xmlns:adec="http://schemas.microsoft.com/office/drawing/2017/decorative" xmlns="" val="1"/>
               </a:ext>
             </a:extLst>
           </p:cNvPr>
@@ -7308,7 +7301,7 @@
           <p:nvPr>
             <p:extLst>
               <p:ext uri="{386F3935-93C4-4BCD-93E2-E3B085C9AB24}">
-                <p16:designElem xmlns="" xmlns:p16="http://schemas.microsoft.com/office/powerpoint/2015/main" val="1"/>
+                <p16:designElem xmlns:p16="http://schemas.microsoft.com/office/powerpoint/2015/main" xmlns="" val="1"/>
               </p:ext>
             </p:extLst>
           </p:nvPr>
@@ -7369,7 +7362,7 @@
     </p:spTree>
     <p:extLst>
       <p:ext uri="{BB962C8B-B14F-4D97-AF65-F5344CB8AC3E}">
-        <p14:creationId xmlns="" xmlns:p14="http://schemas.microsoft.com/office/powerpoint/2010/main" val="24867242"/>
+        <p14:creationId xmlns:p14="http://schemas.microsoft.com/office/powerpoint/2010/main" xmlns="" val="24867242"/>
       </p:ext>
     </p:extLst>
   </p:cSld>
@@ -7634,7 +7627,7 @@
   <a:extraClrSchemeLst/>
   <a:extLst>
     <a:ext uri="{05A4C25C-085E-4340-85A3-A5531E510DB2}">
-      <thm15:themeFamily xmlns="" xmlns:thm15="http://schemas.microsoft.com/office/thememl/2012/main" name="Office Theme" id="{62F939B6-93AF-4DB8-9C6B-D6C7DFDC589F}" vid="{4A3C46E8-61CC-4603-A589-7422A47A8E4A}"/>
+      <thm15:themeFamily xmlns:thm15="http://schemas.microsoft.com/office/thememl/2012/main" xmlns="" name="Office Theme" id="{62F939B6-93AF-4DB8-9C6B-D6C7DFDC589F}" vid="{4A3C46E8-61CC-4603-A589-7422A47A8E4A}"/>
     </a:ext>
   </a:extLst>
 </a:theme>
